--- a/Later/Spring/4_Dependency_Injection/25/Constructor injection Vs. Setter injection_v3.pptx
+++ b/Later/Spring/4_Dependency_Injection/25/Constructor injection Vs. Setter injection_v3.pptx
@@ -192,7 +192,7 @@
           <a:p>
             <a:fld id="{62274EC6-3890-417B-9308-14EFBD00FA63}" type="datetimeFigureOut">
               <a:rPr lang="en-US" smtClean="0"/>
-              <a:t>2/7/2018</a:t>
+              <a:t>6/6/2018</a:t>
             </a:fld>
             <a:endParaRPr lang="en-US" dirty="0"/>
           </a:p>
@@ -731,7 +731,7 @@
             <a:fld id="{1D8BD707-D9CF-40AE-B4C6-C98DA3205C09}" type="datetimeFigureOut">
               <a:rPr lang="en-US" smtClean="0"/>
               <a:pPr/>
-              <a:t>2/7/2018</a:t>
+              <a:t>6/6/2018</a:t>
             </a:fld>
             <a:endParaRPr lang="en-US" dirty="0"/>
           </a:p>
@@ -903,7 +903,7 @@
             <a:fld id="{1D8BD707-D9CF-40AE-B4C6-C98DA3205C09}" type="datetimeFigureOut">
               <a:rPr lang="en-US" smtClean="0"/>
               <a:pPr/>
-              <a:t>2/7/2018</a:t>
+              <a:t>6/6/2018</a:t>
             </a:fld>
             <a:endParaRPr lang="en-US" dirty="0"/>
           </a:p>
@@ -1085,7 +1085,7 @@
             <a:fld id="{1D8BD707-D9CF-40AE-B4C6-C98DA3205C09}" type="datetimeFigureOut">
               <a:rPr lang="en-US" smtClean="0"/>
               <a:pPr/>
-              <a:t>2/7/2018</a:t>
+              <a:t>6/6/2018</a:t>
             </a:fld>
             <a:endParaRPr lang="en-US" dirty="0"/>
           </a:p>
@@ -1257,7 +1257,7 @@
             <a:fld id="{1D8BD707-D9CF-40AE-B4C6-C98DA3205C09}" type="datetimeFigureOut">
               <a:rPr lang="en-US" smtClean="0"/>
               <a:pPr/>
-              <a:t>2/7/2018</a:t>
+              <a:t>6/6/2018</a:t>
             </a:fld>
             <a:endParaRPr lang="en-US" dirty="0"/>
           </a:p>
@@ -1505,7 +1505,7 @@
             <a:fld id="{1D8BD707-D9CF-40AE-B4C6-C98DA3205C09}" type="datetimeFigureOut">
               <a:rPr lang="en-US" smtClean="0"/>
               <a:pPr/>
-              <a:t>2/7/2018</a:t>
+              <a:t>6/6/2018</a:t>
             </a:fld>
             <a:endParaRPr lang="en-US" dirty="0"/>
           </a:p>
@@ -1795,7 +1795,7 @@
             <a:fld id="{1D8BD707-D9CF-40AE-B4C6-C98DA3205C09}" type="datetimeFigureOut">
               <a:rPr lang="en-US" smtClean="0"/>
               <a:pPr/>
-              <a:t>2/7/2018</a:t>
+              <a:t>6/6/2018</a:t>
             </a:fld>
             <a:endParaRPr lang="en-US" dirty="0"/>
           </a:p>
@@ -2224,7 +2224,7 @@
             <a:fld id="{1D8BD707-D9CF-40AE-B4C6-C98DA3205C09}" type="datetimeFigureOut">
               <a:rPr lang="en-US" smtClean="0"/>
               <a:pPr/>
-              <a:t>2/7/2018</a:t>
+              <a:t>6/6/2018</a:t>
             </a:fld>
             <a:endParaRPr lang="en-US" dirty="0"/>
           </a:p>
@@ -2344,7 +2344,7 @@
             <a:fld id="{1D8BD707-D9CF-40AE-B4C6-C98DA3205C09}" type="datetimeFigureOut">
               <a:rPr lang="en-US" smtClean="0"/>
               <a:pPr/>
-              <a:t>2/7/2018</a:t>
+              <a:t>6/6/2018</a:t>
             </a:fld>
             <a:endParaRPr lang="en-US" dirty="0"/>
           </a:p>
@@ -2441,7 +2441,7 @@
             <a:fld id="{1D8BD707-D9CF-40AE-B4C6-C98DA3205C09}" type="datetimeFigureOut">
               <a:rPr lang="en-US" smtClean="0"/>
               <a:pPr/>
-              <a:t>2/7/2018</a:t>
+              <a:t>6/6/2018</a:t>
             </a:fld>
             <a:endParaRPr lang="en-US" dirty="0"/>
           </a:p>
@@ -2720,7 +2720,7 @@
             <a:fld id="{1D8BD707-D9CF-40AE-B4C6-C98DA3205C09}" type="datetimeFigureOut">
               <a:rPr lang="en-US" smtClean="0"/>
               <a:pPr/>
-              <a:t>2/7/2018</a:t>
+              <a:t>6/6/2018</a:t>
             </a:fld>
             <a:endParaRPr lang="en-US" dirty="0"/>
           </a:p>
@@ -2975,7 +2975,7 @@
             <a:fld id="{1D8BD707-D9CF-40AE-B4C6-C98DA3205C09}" type="datetimeFigureOut">
               <a:rPr lang="en-US" smtClean="0"/>
               <a:pPr/>
-              <a:t>2/7/2018</a:t>
+              <a:t>6/6/2018</a:t>
             </a:fld>
             <a:endParaRPr lang="en-US" dirty="0"/>
           </a:p>
@@ -3190,7 +3190,7 @@
             <a:fld id="{1D8BD707-D9CF-40AE-B4C6-C98DA3205C09}" type="datetimeFigureOut">
               <a:rPr lang="en-US" smtClean="0"/>
               <a:pPr/>
-              <a:t>2/7/2018</a:t>
+              <a:t>6/6/2018</a:t>
             </a:fld>
             <a:endParaRPr lang="en-US" dirty="0"/>
           </a:p>
@@ -3747,14 +3747,14 @@
           <p:nvPr>
             <p:extLst>
               <p:ext uri="{D42A27DB-BD31-4B8C-83A1-F6EECF244321}">
-                <p14:modId xmlns:p14="http://schemas.microsoft.com/office/powerpoint/2010/main" val="2347280526"/>
+                <p14:modId xmlns:p14="http://schemas.microsoft.com/office/powerpoint/2010/main" val="3267174473"/>
               </p:ext>
             </p:extLst>
           </p:nvPr>
         </p:nvGraphicFramePr>
         <p:xfrm>
           <a:off x="307975" y="762000"/>
-          <a:ext cx="8610600" cy="3743960"/>
+          <a:ext cx="8610600" cy="3558540"/>
         </p:xfrm>
         <a:graphic>
           <a:graphicData uri="http://schemas.openxmlformats.org/drawingml/2006/table">
@@ -3773,7 +3773,7 @@
                     <a:lstStyle/>
                     <a:p>
                       <a:r>
-                        <a:rPr lang="en-US" sz="1200" b="1" i="0" kern="1200" smtClean="0">
+                        <a:rPr lang="en-US" sz="1200" b="1" i="0" kern="1200" dirty="0" smtClean="0">
                           <a:solidFill>
                             <a:schemeClr val="bg1"/>
                           </a:solidFill>
@@ -4234,16 +4234,8 @@
                     <a:lstStyle/>
                     <a:p>
                       <a:r>
-                        <a:rPr lang="en-US" sz="1200" b="0" i="0" kern="1200" dirty="0" smtClean="0">
-                          <a:solidFill>
-                            <a:schemeClr val="tx1"/>
-                          </a:solidFill>
-                          <a:effectLst/>
-                          <a:latin typeface="+mn-lt"/>
-                          <a:ea typeface="+mn-ea"/>
-                          <a:cs typeface="+mn-cs"/>
-                        </a:rPr>
-                        <a:t>If we have more dependencies for example 15 to 20 are there in our bean class then, in this case setter injection is not recommended as we need to write almost 20 setters, bean length will increase.</a:t>
+                        <a:rPr lang="en-US" sz="1200" dirty="0" smtClean="0"/>
+                        <a:t>We can use Setter injection when a number of dependencies are more or you need readability. </a:t>
                       </a:r>
                       <a:endParaRPr lang="en-US" sz="1200" dirty="0"/>
                     </a:p>
@@ -4293,6 +4285,10 @@
                     <a:lstStyle/>
                     <a:p>
                       <a:r>
+                        <a:rPr lang="en-US" sz="1200" dirty="0" smtClean="0"/>
+                        <a:t>If readability is not a concern then we can use </a:t>
+                      </a:r>
+                      <a:r>
                         <a:rPr lang="en-US" sz="1200" b="0" i="0" kern="1200" dirty="0" smtClean="0">
                           <a:solidFill>
                             <a:schemeClr val="tx1"/>
@@ -4302,7 +4298,15 @@
                           <a:ea typeface="+mn-ea"/>
                           <a:cs typeface="+mn-cs"/>
                         </a:rPr>
-                        <a:t>In this case, Constructor injection is highly recommended, as we can inject all the dependencies with in 3 to 4 lines [i.e., by calling one constructor]</a:t>
+                        <a:t>Constructor </a:t>
+                      </a:r>
+                      <a:r>
+                        <a:rPr lang="en-US" sz="1200" dirty="0" smtClean="0"/>
+                        <a:t>injection when a number of dependencies </a:t>
+                      </a:r>
+                      <a:r>
+                        <a:rPr lang="en-US" sz="1200" smtClean="0"/>
+                        <a:t>are more.</a:t>
                       </a:r>
                       <a:endParaRPr lang="en-US" sz="1200" dirty="0"/>
                     </a:p>
